--- a/reports/ppt_report.pptx
+++ b/reports/ppt_report.pptx
@@ -6250,9 +6250,18 @@
           </a:bodyPr>
           <a:lstStyle/>
           <a:p>
+            <a:pPr lvl="1"/>
             <a:r>
               <a:rPr lang="ru-RU" sz="2800" dirty="0"/>
-              <a:t>Выявление стрессового состояния на основе биометрических показателей пользователя информационной системы позволяет обнаруживать внутреннего нарушителя</a:t>
+              <a:t>Выявление стрессового состояния на основе</a:t>
+            </a:r>
+            <a:r>
+              <a:rPr lang="en-US" sz="2800" dirty="0"/>
+              <a:t> </a:t>
+            </a:r>
+            <a:r>
+              <a:rPr lang="ru-RU" sz="2800" dirty="0"/>
+              <a:t> биометрических показателей пользователя информационной системы позволяет обнаруживать внутреннего нарушителя</a:t>
             </a:r>
             <a:r>
               <a:rPr lang="en-US" sz="2800" dirty="0"/>
@@ -13642,7 +13651,19 @@
             </a:r>
             <a:r>
               <a:rPr lang="ru-RU" dirty="0"/>
-              <a:t>наборы событий для которых рассчитаны признаки</a:t>
+              <a:t>наборы событий</a:t>
+            </a:r>
+            <a:r>
+              <a:rPr lang="en-US"/>
+              <a:t>,</a:t>
+            </a:r>
+            <a:r>
+              <a:rPr lang="ru-RU"/>
+              <a:t> </a:t>
+            </a:r>
+            <a:r>
+              <a:rPr lang="ru-RU" dirty="0"/>
+              <a:t>для которых рассчитаны признаки</a:t>
             </a:r>
           </a:p>
         </p:txBody>
